--- a/MISIS_DariutinDD_4_6_1.pptx
+++ b/MISIS_DariutinDD_4_6_1.pptx
@@ -268,7 +268,7 @@
           <a:p>
             <a:fld id="{92AE627D-15EB-40F5-AEC0-AD078B3D9203}" type="datetimeFigureOut">
               <a:rPr lang="ru-RU" smtClean="0"/>
-              <a:t>25.11.2024</a:t>
+              <a:t>07.12.2024</a:t>
             </a:fld>
             <a:endParaRPr lang="ru-RU"/>
           </a:p>
@@ -14181,7 +14181,15 @@
           <a:p>
             <a:r>
               <a:rPr lang="ru-RU" dirty="0"/>
-              <a:t>Итог тестов:</a:t>
+              <a:t>Итог:</a:t>
+            </a:r>
+            <a:r>
+              <a:rPr lang="en-US" dirty="0"/>
+              <a:t> </a:t>
+            </a:r>
+            <a:r>
+              <a:rPr lang="ru-RU" dirty="0"/>
+              <a:t>Все тесты работают корректно</a:t>
             </a:r>
           </a:p>
           <a:p>
@@ -14191,7 +14199,7 @@
             </a:pPr>
             <a:r>
               <a:rPr lang="ru-RU" dirty="0"/>
-              <a:t>Пустой граф: работает корректно.</a:t>
+              <a:t>Пустой граф</a:t>
             </a:r>
           </a:p>
           <a:p>
@@ -14201,7 +14209,7 @@
             </a:pPr>
             <a:r>
               <a:rPr lang="ru-RU" dirty="0"/>
-              <a:t>Граф с одной вершиной.</a:t>
+              <a:t>Граф с одной вершиной</a:t>
             </a:r>
           </a:p>
           <a:p>
@@ -14211,7 +14219,7 @@
             </a:pPr>
             <a:r>
               <a:rPr lang="ru-RU" dirty="0"/>
-              <a:t>Граф с одной компонентой связности.</a:t>
+              <a:t>Граф с одной компонентой связности</a:t>
             </a:r>
           </a:p>
           <a:p>
@@ -14221,7 +14229,7 @@
             </a:pPr>
             <a:r>
               <a:rPr lang="ru-RU" dirty="0"/>
-              <a:t>Граф с несколькими компонентами связности.</a:t>
+              <a:t>Граф с несколькими компонентами связности</a:t>
             </a:r>
           </a:p>
           <a:p>
